--- a/03. Authorization Code Flow - MVC Client/03.pptx
+++ b/03. Authorization Code Flow - MVC Client/03.pptx
@@ -5,22 +5,23 @@
     <p:sldMasterId id="2147483672" r:id="rId1"/>
   </p:sldMasterIdLst>
   <p:notesMasterIdLst>
-    <p:notesMasterId r:id="rId15"/>
+    <p:notesMasterId r:id="rId16"/>
   </p:notesMasterIdLst>
   <p:sldIdLst>
     <p:sldId id="257" r:id="rId2"/>
     <p:sldId id="266" r:id="rId3"/>
-    <p:sldId id="267" r:id="rId4"/>
-    <p:sldId id="268" r:id="rId5"/>
-    <p:sldId id="270" r:id="rId6"/>
-    <p:sldId id="269" r:id="rId7"/>
-    <p:sldId id="271" r:id="rId8"/>
-    <p:sldId id="272" r:id="rId9"/>
-    <p:sldId id="274" r:id="rId10"/>
-    <p:sldId id="275" r:id="rId11"/>
-    <p:sldId id="278" r:id="rId12"/>
-    <p:sldId id="279" r:id="rId13"/>
-    <p:sldId id="280" r:id="rId14"/>
+    <p:sldId id="281" r:id="rId4"/>
+    <p:sldId id="267" r:id="rId5"/>
+    <p:sldId id="268" r:id="rId6"/>
+    <p:sldId id="270" r:id="rId7"/>
+    <p:sldId id="269" r:id="rId8"/>
+    <p:sldId id="271" r:id="rId9"/>
+    <p:sldId id="272" r:id="rId10"/>
+    <p:sldId id="274" r:id="rId11"/>
+    <p:sldId id="275" r:id="rId12"/>
+    <p:sldId id="278" r:id="rId13"/>
+    <p:sldId id="279" r:id="rId14"/>
+    <p:sldId id="280" r:id="rId15"/>
   </p:sldIdLst>
   <p:sldSz cx="12192000" cy="6858000"/>
   <p:notesSz cx="6858000" cy="9144000"/>
@@ -4674,10 +4675,73 @@
       </p:grpSpPr>
       <p:sp>
         <p:nvSpPr>
-          <p:cNvPr id="12" name="Rectangle 11">
+          <p:cNvPr id="9" name="Rectangle 8">
             <a:extLst>
               <a:ext uri="{FF2B5EF4-FFF2-40B4-BE49-F238E27FC236}">
-                <a16:creationId xmlns:a16="http://schemas.microsoft.com/office/drawing/2014/main" id="{42A5316D-ED2F-4F89-B4B4-8D9240B1A348}"/>
+                <a16:creationId xmlns:a16="http://schemas.microsoft.com/office/drawing/2014/main" id="{6753252F-4873-4F63-801D-CC719279A7D5}"/>
+              </a:ext>
+              <a:ext uri="{C183D7F6-B498-43B3-948B-1728B52AA6E4}">
+                <adec:decorative xmlns:adec="http://schemas.microsoft.com/office/drawing/2017/decorative" val="1"/>
+              </a:ext>
+            </a:extLst>
+          </p:cNvPr>
+          <p:cNvSpPr>
+            <a:spLocks noGrp="1" noRot="1" noChangeAspect="1" noMove="1" noResize="1" noEditPoints="1" noAdjustHandles="1" noChangeArrowheads="1" noChangeShapeType="1" noTextEdit="1"/>
+          </p:cNvSpPr>
+          <p:nvPr>
+            <p:extLst>
+              <p:ext uri="{386F3935-93C4-4BCD-93E2-E3B085C9AB24}">
+                <p16:designElem xmlns:p16="http://schemas.microsoft.com/office/powerpoint/2015/main" val="1"/>
+              </p:ext>
+            </p:extLst>
+          </p:nvPr>
+        </p:nvSpPr>
+        <p:spPr>
+          <a:xfrm>
+            <a:off x="0" y="0"/>
+            <a:ext cx="12192000" cy="6858000"/>
+          </a:xfrm>
+          <a:prstGeom prst="rect">
+            <a:avLst/>
+          </a:prstGeom>
+          <a:solidFill>
+            <a:srgbClr val="FFFFFF"/>
+          </a:solidFill>
+          <a:ln>
+            <a:noFill/>
+          </a:ln>
+        </p:spPr>
+        <p:style>
+          <a:lnRef idx="2">
+            <a:schemeClr val="accent1">
+              <a:shade val="50000"/>
+            </a:schemeClr>
+          </a:lnRef>
+          <a:fillRef idx="1">
+            <a:schemeClr val="accent1"/>
+          </a:fillRef>
+          <a:effectRef idx="0">
+            <a:schemeClr val="accent1"/>
+          </a:effectRef>
+          <a:fontRef idx="minor">
+            <a:schemeClr val="lt1"/>
+          </a:fontRef>
+        </p:style>
+        <p:txBody>
+          <a:bodyPr rtlCol="0" anchor="ctr"/>
+          <a:lstStyle/>
+          <a:p>
+            <a:pPr algn="ctr"/>
+            <a:endParaRPr lang="en-US"/>
+          </a:p>
+        </p:txBody>
+      </p:sp>
+      <p:sp>
+        <p:nvSpPr>
+          <p:cNvPr id="11" name="Rectangle 10">
+            <a:extLst>
+              <a:ext uri="{FF2B5EF4-FFF2-40B4-BE49-F238E27FC236}">
+                <a16:creationId xmlns:a16="http://schemas.microsoft.com/office/drawing/2014/main" id="{047C8CCB-F95D-4249-92DD-651249D3535A}"/>
               </a:ext>
               <a:ext uri="{C183D7F6-B498-43B3-948B-1728B52AA6E4}">
                 <adec:decorative xmlns:adec="http://schemas.microsoft.com/office/drawing/2017/decorative" val="1"/>
@@ -4730,6 +4794,250 @@
           <a:bodyPr rtlCol="0" anchor="ctr"/>
           <a:lstStyle/>
           <a:p>
+            <a:pPr algn="ctr"/>
+            <a:endParaRPr lang="en-US"/>
+          </a:p>
+        </p:txBody>
+      </p:sp>
+      <p:sp>
+        <p:nvSpPr>
+          <p:cNvPr id="2" name="Title 1">
+            <a:extLst>
+              <a:ext uri="{FF2B5EF4-FFF2-40B4-BE49-F238E27FC236}">
+                <a16:creationId xmlns:a16="http://schemas.microsoft.com/office/drawing/2014/main" id="{E70EB65B-59D9-43E7-8507-C25BE9ADA432}"/>
+              </a:ext>
+            </a:extLst>
+          </p:cNvPr>
+          <p:cNvSpPr>
+            <a:spLocks noGrp="1"/>
+          </p:cNvSpPr>
+          <p:nvPr>
+            <p:ph type="title"/>
+          </p:nvPr>
+        </p:nvSpPr>
+        <p:spPr>
+          <a:xfrm>
+            <a:off x="640080" y="2074363"/>
+            <a:ext cx="2752354" cy="2709275"/>
+          </a:xfrm>
+          <a:prstGeom prst="ellipse">
+            <a:avLst/>
+          </a:prstGeom>
+          <a:solidFill>
+            <a:srgbClr val="262626"/>
+          </a:solidFill>
+          <a:ln w="174625" cmpd="thinThick">
+            <a:solidFill>
+              <a:srgbClr val="262626"/>
+            </a:solidFill>
+          </a:ln>
+        </p:spPr>
+        <p:txBody>
+          <a:bodyPr vert="horz" lIns="91440" tIns="45720" rIns="91440" bIns="45720" rtlCol="0" anchor="ctr">
+            <a:normAutofit/>
+          </a:bodyPr>
+          <a:lstStyle/>
+          <a:p>
+            <a:pPr algn="ctr"/>
+            <a:r>
+              <a:rPr lang="en-US" altLang="zh-CN" sz="2000" dirty="0" err="1">
+                <a:solidFill>
+                  <a:srgbClr val="FFFFFF"/>
+                </a:solidFill>
+              </a:rPr>
+              <a:t>OpenId</a:t>
+            </a:r>
+            <a:r>
+              <a:rPr lang="en-US" altLang="zh-CN" sz="2000" dirty="0">
+                <a:solidFill>
+                  <a:srgbClr val="FFFFFF"/>
+                </a:solidFill>
+              </a:rPr>
+              <a:t> Connect – Authorization Code Flow</a:t>
+            </a:r>
+            <a:endParaRPr lang="en-US" sz="2000" kern="1200" dirty="0">
+              <a:solidFill>
+                <a:srgbClr val="FFFFFF"/>
+              </a:solidFill>
+              <a:latin typeface="+mj-lt"/>
+              <a:ea typeface="+mj-ea"/>
+              <a:cs typeface="+mj-cs"/>
+            </a:endParaRPr>
+          </a:p>
+        </p:txBody>
+      </p:sp>
+      <p:pic>
+        <p:nvPicPr>
+          <p:cNvPr id="8" name="Content Placeholder 3" descr="A close up of a map&#10;&#10;Description generated with high confidence">
+            <a:extLst>
+              <a:ext uri="{FF2B5EF4-FFF2-40B4-BE49-F238E27FC236}">
+                <a16:creationId xmlns:a16="http://schemas.microsoft.com/office/drawing/2014/main" id="{AE13677A-B403-4147-93EA-B333018D3AAD}"/>
+              </a:ext>
+            </a:extLst>
+          </p:cNvPr>
+          <p:cNvPicPr>
+            <a:picLocks noGrp="1" noChangeAspect="1"/>
+          </p:cNvPicPr>
+          <p:nvPr>
+            <p:ph idx="1"/>
+          </p:nvPr>
+        </p:nvPicPr>
+        <p:blipFill>
+          <a:blip r:embed="rId2"/>
+          <a:stretch>
+            <a:fillRect/>
+          </a:stretch>
+        </p:blipFill>
+        <p:spPr>
+          <a:xfrm>
+            <a:off x="4538662" y="1092993"/>
+            <a:ext cx="6517162" cy="4672013"/>
+          </a:xfrm>
+          <a:prstGeom prst="rect">
+            <a:avLst/>
+          </a:prstGeom>
+        </p:spPr>
+      </p:pic>
+      <p:sp>
+        <p:nvSpPr>
+          <p:cNvPr id="6" name="TextBox 5">
+            <a:extLst>
+              <a:ext uri="{FF2B5EF4-FFF2-40B4-BE49-F238E27FC236}">
+                <a16:creationId xmlns:a16="http://schemas.microsoft.com/office/drawing/2014/main" id="{26B079F0-DA88-4653-8D0D-9F5FCE9CEA3D}"/>
+              </a:ext>
+            </a:extLst>
+          </p:cNvPr>
+          <p:cNvSpPr txBox="1"/>
+          <p:nvPr/>
+        </p:nvSpPr>
+        <p:spPr>
+          <a:xfrm>
+            <a:off x="8601075" y="5172075"/>
+            <a:ext cx="985141" cy="369332"/>
+          </a:xfrm>
+          <a:prstGeom prst="rect">
+            <a:avLst/>
+          </a:prstGeom>
+          <a:noFill/>
+        </p:spPr>
+        <p:txBody>
+          <a:bodyPr wrap="none" rtlCol="0">
+            <a:spAutoFit/>
+          </a:bodyPr>
+          <a:lstStyle/>
+          <a:p>
+            <a:r>
+              <a:rPr lang="en-US" altLang="zh-CN" b="1" dirty="0">
+                <a:solidFill>
+                  <a:srgbClr val="FF0000"/>
+                </a:solidFill>
+              </a:rPr>
+              <a:t>Id Token</a:t>
+            </a:r>
+            <a:endParaRPr lang="en-US" b="1" dirty="0">
+              <a:solidFill>
+                <a:srgbClr val="FF0000"/>
+              </a:solidFill>
+            </a:endParaRPr>
+          </a:p>
+        </p:txBody>
+      </p:sp>
+    </p:spTree>
+    <p:extLst>
+      <p:ext uri="{BB962C8B-B14F-4D97-AF65-F5344CB8AC3E}">
+        <p14:creationId xmlns:p14="http://schemas.microsoft.com/office/powerpoint/2010/main" val="3838801728"/>
+      </p:ext>
+    </p:extLst>
+  </p:cSld>
+  <p:clrMapOvr>
+    <a:masterClrMapping/>
+  </p:clrMapOvr>
+</p:sld>
+</file>
+
+<file path=ppt/slides/slide11.xml><?xml version="1.0" encoding="utf-8"?>
+<p:sld xmlns:a="http://schemas.openxmlformats.org/drawingml/2006/main" xmlns:r="http://schemas.openxmlformats.org/officeDocument/2006/relationships" xmlns:p="http://schemas.openxmlformats.org/presentationml/2006/main">
+  <p:cSld>
+    <p:bg>
+      <p:bgPr>
+        <a:solidFill>
+          <a:schemeClr val="bg1"/>
+        </a:solidFill>
+        <a:effectLst/>
+      </p:bgPr>
+    </p:bg>
+    <p:spTree>
+      <p:nvGrpSpPr>
+        <p:cNvPr id="1" name=""/>
+        <p:cNvGrpSpPr/>
+        <p:nvPr/>
+      </p:nvGrpSpPr>
+      <p:grpSpPr>
+        <a:xfrm>
+          <a:off x="0" y="0"/>
+          <a:ext cx="0" cy="0"/>
+          <a:chOff x="0" y="0"/>
+          <a:chExt cx="0" cy="0"/>
+        </a:xfrm>
+      </p:grpSpPr>
+      <p:sp>
+        <p:nvSpPr>
+          <p:cNvPr id="12" name="Rectangle 11">
+            <a:extLst>
+              <a:ext uri="{FF2B5EF4-FFF2-40B4-BE49-F238E27FC236}">
+                <a16:creationId xmlns:a16="http://schemas.microsoft.com/office/drawing/2014/main" id="{42A5316D-ED2F-4F89-B4B4-8D9240B1A348}"/>
+              </a:ext>
+              <a:ext uri="{C183D7F6-B498-43B3-948B-1728B52AA6E4}">
+                <adec:decorative xmlns:adec="http://schemas.microsoft.com/office/drawing/2017/decorative" val="1"/>
+              </a:ext>
+            </a:extLst>
+          </p:cNvPr>
+          <p:cNvSpPr>
+            <a:spLocks noGrp="1" noRot="1" noChangeAspect="1" noMove="1" noResize="1" noEditPoints="1" noAdjustHandles="1" noChangeArrowheads="1" noChangeShapeType="1" noTextEdit="1"/>
+          </p:cNvSpPr>
+          <p:nvPr>
+            <p:extLst>
+              <p:ext uri="{386F3935-93C4-4BCD-93E2-E3B085C9AB24}">
+                <p16:designElem xmlns:p16="http://schemas.microsoft.com/office/powerpoint/2015/main" val="1"/>
+              </p:ext>
+            </p:extLst>
+          </p:nvPr>
+        </p:nvSpPr>
+        <p:spPr>
+          <a:xfrm>
+            <a:off x="0" y="0"/>
+            <a:ext cx="2013557" cy="6858000"/>
+          </a:xfrm>
+          <a:prstGeom prst="rect">
+            <a:avLst/>
+          </a:prstGeom>
+          <a:solidFill>
+            <a:srgbClr val="7F7F7F"/>
+          </a:solidFill>
+          <a:ln>
+            <a:noFill/>
+          </a:ln>
+        </p:spPr>
+        <p:style>
+          <a:lnRef idx="2">
+            <a:schemeClr val="accent1">
+              <a:shade val="50000"/>
+            </a:schemeClr>
+          </a:lnRef>
+          <a:fillRef idx="1">
+            <a:schemeClr val="accent1"/>
+          </a:fillRef>
+          <a:effectRef idx="0">
+            <a:schemeClr val="accent1"/>
+          </a:effectRef>
+          <a:fontRef idx="minor">
+            <a:schemeClr val="lt1"/>
+          </a:fontRef>
+        </p:style>
+        <p:txBody>
+          <a:bodyPr rtlCol="0" anchor="ctr"/>
+          <a:lstStyle/>
+          <a:p>
             <a:pPr marL="0" marR="0" lvl="0" indent="0" algn="ctr" defTabSz="914400" rtl="0" eaLnBrk="1" fontAlgn="auto" latinLnBrk="0" hangingPunct="1">
               <a:lnSpc>
                 <a:spcPct val="100000"/>
@@ -4910,7 +5218,7 @@
 </p:sld>
 </file>
 
-<file path=ppt/slides/slide11.xml><?xml version="1.0" encoding="utf-8"?>
+<file path=ppt/slides/slide12.xml><?xml version="1.0" encoding="utf-8"?>
 <p:sld xmlns:a="http://schemas.openxmlformats.org/drawingml/2006/main" xmlns:r="http://schemas.openxmlformats.org/officeDocument/2006/relationships" xmlns:p="http://schemas.openxmlformats.org/presentationml/2006/main">
   <p:cSld>
     <p:bg>
@@ -5173,7 +5481,7 @@
 </p:sld>
 </file>
 
-<file path=ppt/slides/slide12.xml><?xml version="1.0" encoding="utf-8"?>
+<file path=ppt/slides/slide13.xml><?xml version="1.0" encoding="utf-8"?>
 <p:sld xmlns:a="http://schemas.openxmlformats.org/drawingml/2006/main" xmlns:r="http://schemas.openxmlformats.org/officeDocument/2006/relationships" xmlns:p="http://schemas.openxmlformats.org/presentationml/2006/main">
   <p:cSld>
     <p:bg>
@@ -5429,7 +5737,7 @@
 </p:sld>
 </file>
 
-<file path=ppt/slides/slide13.xml><?xml version="1.0" encoding="utf-8"?>
+<file path=ppt/slides/slide14.xml><?xml version="1.0" encoding="utf-8"?>
 <p:sld xmlns:a="http://schemas.openxmlformats.org/drawingml/2006/main" xmlns:r="http://schemas.openxmlformats.org/officeDocument/2006/relationships" xmlns:p="http://schemas.openxmlformats.org/presentationml/2006/main">
   <p:cSld>
     <p:bg>
@@ -6179,7 +6487,7 @@
           <p:cNvPr id="2" name="Title 1">
             <a:extLst>
               <a:ext uri="{FF2B5EF4-FFF2-40B4-BE49-F238E27FC236}">
-                <a16:creationId xmlns:a16="http://schemas.microsoft.com/office/drawing/2014/main" id="{E101C7CB-25D7-4CE3-92FA-56E155C3EDA3}"/>
+                <a16:creationId xmlns:a16="http://schemas.microsoft.com/office/drawing/2014/main" id="{0B1F0646-8FDA-4748-8916-36CD608663D1}"/>
               </a:ext>
             </a:extLst>
           </p:cNvPr>
@@ -6197,7 +6505,7 @@
           <a:p>
             <a:r>
               <a:rPr lang="zh-CN" altLang="en-US" dirty="0"/>
-              <a:t>内容</a:t>
+              <a:t>配套源码</a:t>
             </a:r>
             <a:endParaRPr lang="en-US" dirty="0"/>
           </a:p>
@@ -6208,7 +6516,7 @@
           <p:cNvPr id="3" name="Content Placeholder 2">
             <a:extLst>
               <a:ext uri="{FF2B5EF4-FFF2-40B4-BE49-F238E27FC236}">
-                <a16:creationId xmlns:a16="http://schemas.microsoft.com/office/drawing/2014/main" id="{B53CA80D-95EF-47BC-BF55-B3B9FEB4BE09}"/>
+                <a16:creationId xmlns:a16="http://schemas.microsoft.com/office/drawing/2014/main" id="{A04597F1-0AF9-4FE1-B1FE-754F165B01ED}"/>
               </a:ext>
             </a:extLst>
           </p:cNvPr>
@@ -6225,45 +6533,24 @@
           <a:lstStyle/>
           <a:p>
             <a:r>
-              <a:rPr lang="zh-CN" altLang="en-US" dirty="0"/>
-              <a:t>使用</a:t>
-            </a:r>
-            <a:r>
-              <a:rPr lang="en-US" altLang="zh-CN" dirty="0"/>
-              <a:t>Authorization Code Flow</a:t>
-            </a:r>
-            <a:r>
-              <a:rPr lang="zh-CN" altLang="en-US" dirty="0"/>
-              <a:t>保护</a:t>
-            </a:r>
-            <a:r>
-              <a:rPr lang="en-US" altLang="zh-CN" dirty="0"/>
-              <a:t>ASP.NET Core MVC </a:t>
-            </a:r>
-            <a:r>
-              <a:rPr lang="zh-CN" altLang="en-US" dirty="0"/>
-              <a:t>客户端（为其做用户的身份认证）</a:t>
-            </a:r>
-            <a:endParaRPr lang="en-US" altLang="zh-CN" dirty="0"/>
-          </a:p>
-          <a:p>
-            <a:pPr lvl="1"/>
-            <a:r>
-              <a:rPr lang="zh-CN" altLang="en-US" dirty="0"/>
-              <a:t>并访问被保护资源</a:t>
-            </a:r>
-            <a:endParaRPr lang="en-US" dirty="0"/>
-          </a:p>
-          <a:p>
-            <a:pPr lvl="1"/>
-            <a:endParaRPr lang="en-US" dirty="0"/>
+              <a:rPr lang="en-US" dirty="0"/>
+              <a:t>https://github.com/solenovex/</a:t>
+            </a:r>
+            <a:r>
+              <a:rPr lang="en-US" dirty="0">
+                <a:highlight>
+                  <a:srgbClr val="5FD6DF"/>
+                </a:highlight>
+              </a:rPr>
+              <a:t>Identity-Server-4-Tutorial-Demo-Code</a:t>
+            </a:r>
           </a:p>
         </p:txBody>
       </p:sp>
     </p:spTree>
     <p:extLst>
       <p:ext uri="{BB962C8B-B14F-4D97-AF65-F5344CB8AC3E}">
-        <p14:creationId xmlns:p14="http://schemas.microsoft.com/office/powerpoint/2010/main" val="2346017473"/>
+        <p14:creationId xmlns:p14="http://schemas.microsoft.com/office/powerpoint/2010/main" val="3049684131"/>
       </p:ext>
     </p:extLst>
   </p:cSld>
@@ -6295,6 +6582,162 @@
           <p:cNvPr id="2" name="Title 1">
             <a:extLst>
               <a:ext uri="{FF2B5EF4-FFF2-40B4-BE49-F238E27FC236}">
+                <a16:creationId xmlns:a16="http://schemas.microsoft.com/office/drawing/2014/main" id="{E101C7CB-25D7-4CE3-92FA-56E155C3EDA3}"/>
+              </a:ext>
+            </a:extLst>
+          </p:cNvPr>
+          <p:cNvSpPr>
+            <a:spLocks noGrp="1"/>
+          </p:cNvSpPr>
+          <p:nvPr>
+            <p:ph type="title"/>
+          </p:nvPr>
+        </p:nvSpPr>
+        <p:spPr/>
+        <p:txBody>
+          <a:bodyPr/>
+          <a:lstStyle/>
+          <a:p>
+            <a:r>
+              <a:rPr lang="zh-CN" altLang="en-US" dirty="0"/>
+              <a:t>内容</a:t>
+            </a:r>
+            <a:endParaRPr lang="en-US" dirty="0"/>
+          </a:p>
+        </p:txBody>
+      </p:sp>
+      <p:sp>
+        <p:nvSpPr>
+          <p:cNvPr id="3" name="Content Placeholder 2">
+            <a:extLst>
+              <a:ext uri="{FF2B5EF4-FFF2-40B4-BE49-F238E27FC236}">
+                <a16:creationId xmlns:a16="http://schemas.microsoft.com/office/drawing/2014/main" id="{B53CA80D-95EF-47BC-BF55-B3B9FEB4BE09}"/>
+              </a:ext>
+            </a:extLst>
+          </p:cNvPr>
+          <p:cNvSpPr>
+            <a:spLocks noGrp="1"/>
+          </p:cNvSpPr>
+          <p:nvPr>
+            <p:ph idx="1"/>
+          </p:nvPr>
+        </p:nvSpPr>
+        <p:spPr/>
+        <p:txBody>
+          <a:bodyPr/>
+          <a:lstStyle/>
+          <a:p>
+            <a:r>
+              <a:rPr lang="zh-CN" altLang="en-US" dirty="0"/>
+              <a:t>使用</a:t>
+            </a:r>
+            <a:r>
+              <a:rPr lang="en-US" altLang="zh-CN" dirty="0"/>
+              <a:t>Authorization Code Flow</a:t>
+            </a:r>
+            <a:r>
+              <a:rPr lang="zh-CN" altLang="en-US" dirty="0"/>
+              <a:t>保护</a:t>
+            </a:r>
+            <a:r>
+              <a:rPr lang="en-US" altLang="zh-CN" dirty="0"/>
+              <a:t>ASP.NET Core MVC </a:t>
+            </a:r>
+            <a:r>
+              <a:rPr lang="zh-CN" altLang="en-US" dirty="0"/>
+              <a:t>客户端（为其做用户的身份认证）</a:t>
+            </a:r>
+            <a:endParaRPr lang="en-US" altLang="zh-CN" dirty="0"/>
+          </a:p>
+          <a:p>
+            <a:pPr lvl="1"/>
+            <a:r>
+              <a:rPr lang="zh-CN" altLang="en-US" dirty="0"/>
+              <a:t>并访问被保护资源</a:t>
+            </a:r>
+            <a:endParaRPr lang="en-US" altLang="zh-CN" dirty="0"/>
+          </a:p>
+          <a:p>
+            <a:pPr lvl="1"/>
+            <a:r>
+              <a:rPr lang="zh-CN" altLang="en-US" dirty="0">
+                <a:highlight>
+                  <a:srgbClr val="FFFF00"/>
+                </a:highlight>
+              </a:rPr>
+              <a:t>使用</a:t>
+            </a:r>
+            <a:r>
+              <a:rPr lang="en-US" altLang="zh-CN" dirty="0">
+                <a:highlight>
+                  <a:srgbClr val="FFFF00"/>
+                </a:highlight>
+              </a:rPr>
+              <a:t>Refresh Token</a:t>
+            </a:r>
+            <a:r>
+              <a:rPr lang="zh-CN" altLang="en-US" dirty="0">
+                <a:highlight>
+                  <a:srgbClr val="FFFF00"/>
+                </a:highlight>
+              </a:rPr>
+              <a:t>刷新</a:t>
+            </a:r>
+            <a:r>
+              <a:rPr lang="en-US" altLang="zh-CN" dirty="0">
+                <a:highlight>
+                  <a:srgbClr val="FFFF00"/>
+                </a:highlight>
+              </a:rPr>
+              <a:t>Access Token</a:t>
+            </a:r>
+            <a:endParaRPr lang="en-US" dirty="0">
+              <a:highlight>
+                <a:srgbClr val="FFFF00"/>
+              </a:highlight>
+            </a:endParaRPr>
+          </a:p>
+          <a:p>
+            <a:pPr lvl="1"/>
+            <a:endParaRPr lang="en-US" dirty="0"/>
+          </a:p>
+        </p:txBody>
+      </p:sp>
+    </p:spTree>
+    <p:extLst>
+      <p:ext uri="{BB962C8B-B14F-4D97-AF65-F5344CB8AC3E}">
+        <p14:creationId xmlns:p14="http://schemas.microsoft.com/office/powerpoint/2010/main" val="2346017473"/>
+      </p:ext>
+    </p:extLst>
+  </p:cSld>
+  <p:clrMapOvr>
+    <a:masterClrMapping/>
+  </p:clrMapOvr>
+</p:sld>
+</file>
+
+<file path=ppt/slides/slide5.xml><?xml version="1.0" encoding="utf-8"?>
+<p:sld xmlns:a="http://schemas.openxmlformats.org/drawingml/2006/main" xmlns:r="http://schemas.openxmlformats.org/officeDocument/2006/relationships" xmlns:p="http://schemas.openxmlformats.org/presentationml/2006/main">
+  <p:cSld>
+    <p:spTree>
+      <p:nvGrpSpPr>
+        <p:cNvPr id="1" name=""/>
+        <p:cNvGrpSpPr/>
+        <p:nvPr/>
+      </p:nvGrpSpPr>
+      <p:grpSpPr>
+        <a:xfrm>
+          <a:off x="0" y="0"/>
+          <a:ext cx="0" cy="0"/>
+          <a:chOff x="0" y="0"/>
+          <a:chExt cx="0" cy="0"/>
+        </a:xfrm>
+      </p:grpSpPr>
+      <p:sp>
+        <p:nvSpPr>
+          <p:cNvPr id="2" name="Title 1">
+            <a:extLst>
+              <a:ext uri="{FF2B5EF4-FFF2-40B4-BE49-F238E27FC236}">
                 <a16:creationId xmlns:a16="http://schemas.microsoft.com/office/drawing/2014/main" id="{E4B599E4-E058-4A69-9A80-AD8FA7E9FEB7}"/>
               </a:ext>
             </a:extLst>
@@ -6369,7 +6812,7 @@
 </p:sld>
 </file>
 
-<file path=ppt/slides/slide5.xml><?xml version="1.0" encoding="utf-8"?>
+<file path=ppt/slides/slide6.xml><?xml version="1.0" encoding="utf-8"?>
 <p:sld xmlns:a="http://schemas.openxmlformats.org/drawingml/2006/main" xmlns:r="http://schemas.openxmlformats.org/officeDocument/2006/relationships" xmlns:p="http://schemas.openxmlformats.org/presentationml/2006/main">
   <p:cSld>
     <p:bg>
@@ -6676,7 +7119,7 @@
 </p:sld>
 </file>
 
-<file path=ppt/slides/slide6.xml><?xml version="1.0" encoding="utf-8"?>
+<file path=ppt/slides/slide7.xml><?xml version="1.0" encoding="utf-8"?>
 <p:sld xmlns:a="http://schemas.openxmlformats.org/drawingml/2006/main" xmlns:r="http://schemas.openxmlformats.org/officeDocument/2006/relationships" xmlns:p="http://schemas.openxmlformats.org/presentationml/2006/main">
   <p:cSld>
     <p:spTree>
@@ -6793,7 +7236,7 @@
 </p:sld>
 </file>
 
-<file path=ppt/slides/slide7.xml><?xml version="1.0" encoding="utf-8"?>
+<file path=ppt/slides/slide8.xml><?xml version="1.0" encoding="utf-8"?>
 <p:sld xmlns:a="http://schemas.openxmlformats.org/drawingml/2006/main" xmlns:r="http://schemas.openxmlformats.org/officeDocument/2006/relationships" xmlns:p="http://schemas.openxmlformats.org/presentationml/2006/main">
   <p:cSld>
     <p:bg>
@@ -7068,7 +7511,7 @@
 </p:sld>
 </file>
 
-<file path=ppt/slides/slide8.xml><?xml version="1.0" encoding="utf-8"?>
+<file path=ppt/slides/slide9.xml><?xml version="1.0" encoding="utf-8"?>
 <p:sld xmlns:a="http://schemas.openxmlformats.org/drawingml/2006/main" xmlns:r="http://schemas.openxmlformats.org/officeDocument/2006/relationships" xmlns:p="http://schemas.openxmlformats.org/presentationml/2006/main">
   <p:cSld>
     <p:bg>
@@ -7317,313 +7760,6 @@
     <p:extLst>
       <p:ext uri="{BB962C8B-B14F-4D97-AF65-F5344CB8AC3E}">
         <p14:creationId xmlns:p14="http://schemas.microsoft.com/office/powerpoint/2010/main" val="3925044223"/>
-      </p:ext>
-    </p:extLst>
-  </p:cSld>
-  <p:clrMapOvr>
-    <a:masterClrMapping/>
-  </p:clrMapOvr>
-</p:sld>
-</file>
-
-<file path=ppt/slides/slide9.xml><?xml version="1.0" encoding="utf-8"?>
-<p:sld xmlns:a="http://schemas.openxmlformats.org/drawingml/2006/main" xmlns:r="http://schemas.openxmlformats.org/officeDocument/2006/relationships" xmlns:p="http://schemas.openxmlformats.org/presentationml/2006/main">
-  <p:cSld>
-    <p:bg>
-      <p:bgPr>
-        <a:solidFill>
-          <a:schemeClr val="bg1"/>
-        </a:solidFill>
-        <a:effectLst/>
-      </p:bgPr>
-    </p:bg>
-    <p:spTree>
-      <p:nvGrpSpPr>
-        <p:cNvPr id="1" name=""/>
-        <p:cNvGrpSpPr/>
-        <p:nvPr/>
-      </p:nvGrpSpPr>
-      <p:grpSpPr>
-        <a:xfrm>
-          <a:off x="0" y="0"/>
-          <a:ext cx="0" cy="0"/>
-          <a:chOff x="0" y="0"/>
-          <a:chExt cx="0" cy="0"/>
-        </a:xfrm>
-      </p:grpSpPr>
-      <p:sp>
-        <p:nvSpPr>
-          <p:cNvPr id="9" name="Rectangle 8">
-            <a:extLst>
-              <a:ext uri="{FF2B5EF4-FFF2-40B4-BE49-F238E27FC236}">
-                <a16:creationId xmlns:a16="http://schemas.microsoft.com/office/drawing/2014/main" id="{6753252F-4873-4F63-801D-CC719279A7D5}"/>
-              </a:ext>
-              <a:ext uri="{C183D7F6-B498-43B3-948B-1728B52AA6E4}">
-                <adec:decorative xmlns:adec="http://schemas.microsoft.com/office/drawing/2017/decorative" val="1"/>
-              </a:ext>
-            </a:extLst>
-          </p:cNvPr>
-          <p:cNvSpPr>
-            <a:spLocks noGrp="1" noRot="1" noChangeAspect="1" noMove="1" noResize="1" noEditPoints="1" noAdjustHandles="1" noChangeArrowheads="1" noChangeShapeType="1" noTextEdit="1"/>
-          </p:cNvSpPr>
-          <p:nvPr>
-            <p:extLst>
-              <p:ext uri="{386F3935-93C4-4BCD-93E2-E3B085C9AB24}">
-                <p16:designElem xmlns:p16="http://schemas.microsoft.com/office/powerpoint/2015/main" val="1"/>
-              </p:ext>
-            </p:extLst>
-          </p:nvPr>
-        </p:nvSpPr>
-        <p:spPr>
-          <a:xfrm>
-            <a:off x="0" y="0"/>
-            <a:ext cx="12192000" cy="6858000"/>
-          </a:xfrm>
-          <a:prstGeom prst="rect">
-            <a:avLst/>
-          </a:prstGeom>
-          <a:solidFill>
-            <a:srgbClr val="FFFFFF"/>
-          </a:solidFill>
-          <a:ln>
-            <a:noFill/>
-          </a:ln>
-        </p:spPr>
-        <p:style>
-          <a:lnRef idx="2">
-            <a:schemeClr val="accent1">
-              <a:shade val="50000"/>
-            </a:schemeClr>
-          </a:lnRef>
-          <a:fillRef idx="1">
-            <a:schemeClr val="accent1"/>
-          </a:fillRef>
-          <a:effectRef idx="0">
-            <a:schemeClr val="accent1"/>
-          </a:effectRef>
-          <a:fontRef idx="minor">
-            <a:schemeClr val="lt1"/>
-          </a:fontRef>
-        </p:style>
-        <p:txBody>
-          <a:bodyPr rtlCol="0" anchor="ctr"/>
-          <a:lstStyle/>
-          <a:p>
-            <a:pPr algn="ctr"/>
-            <a:endParaRPr lang="en-US"/>
-          </a:p>
-        </p:txBody>
-      </p:sp>
-      <p:sp>
-        <p:nvSpPr>
-          <p:cNvPr id="11" name="Rectangle 10">
-            <a:extLst>
-              <a:ext uri="{FF2B5EF4-FFF2-40B4-BE49-F238E27FC236}">
-                <a16:creationId xmlns:a16="http://schemas.microsoft.com/office/drawing/2014/main" id="{047C8CCB-F95D-4249-92DD-651249D3535A}"/>
-              </a:ext>
-              <a:ext uri="{C183D7F6-B498-43B3-948B-1728B52AA6E4}">
-                <adec:decorative xmlns:adec="http://schemas.microsoft.com/office/drawing/2017/decorative" val="1"/>
-              </a:ext>
-            </a:extLst>
-          </p:cNvPr>
-          <p:cNvSpPr>
-            <a:spLocks noGrp="1" noRot="1" noChangeAspect="1" noMove="1" noResize="1" noEditPoints="1" noAdjustHandles="1" noChangeArrowheads="1" noChangeShapeType="1" noTextEdit="1"/>
-          </p:cNvSpPr>
-          <p:nvPr>
-            <p:extLst>
-              <p:ext uri="{386F3935-93C4-4BCD-93E2-E3B085C9AB24}">
-                <p16:designElem xmlns:p16="http://schemas.microsoft.com/office/powerpoint/2015/main" val="1"/>
-              </p:ext>
-            </p:extLst>
-          </p:nvPr>
-        </p:nvSpPr>
-        <p:spPr>
-          <a:xfrm>
-            <a:off x="0" y="0"/>
-            <a:ext cx="2013557" cy="6858000"/>
-          </a:xfrm>
-          <a:prstGeom prst="rect">
-            <a:avLst/>
-          </a:prstGeom>
-          <a:solidFill>
-            <a:srgbClr val="7F7F7F"/>
-          </a:solidFill>
-          <a:ln>
-            <a:noFill/>
-          </a:ln>
-        </p:spPr>
-        <p:style>
-          <a:lnRef idx="2">
-            <a:schemeClr val="accent1">
-              <a:shade val="50000"/>
-            </a:schemeClr>
-          </a:lnRef>
-          <a:fillRef idx="1">
-            <a:schemeClr val="accent1"/>
-          </a:fillRef>
-          <a:effectRef idx="0">
-            <a:schemeClr val="accent1"/>
-          </a:effectRef>
-          <a:fontRef idx="minor">
-            <a:schemeClr val="lt1"/>
-          </a:fontRef>
-        </p:style>
-        <p:txBody>
-          <a:bodyPr rtlCol="0" anchor="ctr"/>
-          <a:lstStyle/>
-          <a:p>
-            <a:pPr algn="ctr"/>
-            <a:endParaRPr lang="en-US"/>
-          </a:p>
-        </p:txBody>
-      </p:sp>
-      <p:sp>
-        <p:nvSpPr>
-          <p:cNvPr id="2" name="Title 1">
-            <a:extLst>
-              <a:ext uri="{FF2B5EF4-FFF2-40B4-BE49-F238E27FC236}">
-                <a16:creationId xmlns:a16="http://schemas.microsoft.com/office/drawing/2014/main" id="{E70EB65B-59D9-43E7-8507-C25BE9ADA432}"/>
-              </a:ext>
-            </a:extLst>
-          </p:cNvPr>
-          <p:cNvSpPr>
-            <a:spLocks noGrp="1"/>
-          </p:cNvSpPr>
-          <p:nvPr>
-            <p:ph type="title"/>
-          </p:nvPr>
-        </p:nvSpPr>
-        <p:spPr>
-          <a:xfrm>
-            <a:off x="640080" y="2074363"/>
-            <a:ext cx="2752354" cy="2709275"/>
-          </a:xfrm>
-          <a:prstGeom prst="ellipse">
-            <a:avLst/>
-          </a:prstGeom>
-          <a:solidFill>
-            <a:srgbClr val="262626"/>
-          </a:solidFill>
-          <a:ln w="174625" cmpd="thinThick">
-            <a:solidFill>
-              <a:srgbClr val="262626"/>
-            </a:solidFill>
-          </a:ln>
-        </p:spPr>
-        <p:txBody>
-          <a:bodyPr vert="horz" lIns="91440" tIns="45720" rIns="91440" bIns="45720" rtlCol="0" anchor="ctr">
-            <a:normAutofit/>
-          </a:bodyPr>
-          <a:lstStyle/>
-          <a:p>
-            <a:pPr algn="ctr"/>
-            <a:r>
-              <a:rPr lang="en-US" altLang="zh-CN" sz="2000" dirty="0" err="1">
-                <a:solidFill>
-                  <a:srgbClr val="FFFFFF"/>
-                </a:solidFill>
-              </a:rPr>
-              <a:t>OpenId</a:t>
-            </a:r>
-            <a:r>
-              <a:rPr lang="en-US" altLang="zh-CN" sz="2000" dirty="0">
-                <a:solidFill>
-                  <a:srgbClr val="FFFFFF"/>
-                </a:solidFill>
-              </a:rPr>
-              <a:t> Connect – Authorization Code Flow</a:t>
-            </a:r>
-            <a:endParaRPr lang="en-US" sz="2000" kern="1200" dirty="0">
-              <a:solidFill>
-                <a:srgbClr val="FFFFFF"/>
-              </a:solidFill>
-              <a:latin typeface="+mj-lt"/>
-              <a:ea typeface="+mj-ea"/>
-              <a:cs typeface="+mj-cs"/>
-            </a:endParaRPr>
-          </a:p>
-        </p:txBody>
-      </p:sp>
-      <p:pic>
-        <p:nvPicPr>
-          <p:cNvPr id="8" name="Content Placeholder 3" descr="A close up of a map&#10;&#10;Description generated with high confidence">
-            <a:extLst>
-              <a:ext uri="{FF2B5EF4-FFF2-40B4-BE49-F238E27FC236}">
-                <a16:creationId xmlns:a16="http://schemas.microsoft.com/office/drawing/2014/main" id="{AE13677A-B403-4147-93EA-B333018D3AAD}"/>
-              </a:ext>
-            </a:extLst>
-          </p:cNvPr>
-          <p:cNvPicPr>
-            <a:picLocks noGrp="1" noChangeAspect="1"/>
-          </p:cNvPicPr>
-          <p:nvPr>
-            <p:ph idx="1"/>
-          </p:nvPr>
-        </p:nvPicPr>
-        <p:blipFill>
-          <a:blip r:embed="rId2"/>
-          <a:stretch>
-            <a:fillRect/>
-          </a:stretch>
-        </p:blipFill>
-        <p:spPr>
-          <a:xfrm>
-            <a:off x="4538662" y="1092993"/>
-            <a:ext cx="6517162" cy="4672013"/>
-          </a:xfrm>
-          <a:prstGeom prst="rect">
-            <a:avLst/>
-          </a:prstGeom>
-        </p:spPr>
-      </p:pic>
-      <p:sp>
-        <p:nvSpPr>
-          <p:cNvPr id="6" name="TextBox 5">
-            <a:extLst>
-              <a:ext uri="{FF2B5EF4-FFF2-40B4-BE49-F238E27FC236}">
-                <a16:creationId xmlns:a16="http://schemas.microsoft.com/office/drawing/2014/main" id="{26B079F0-DA88-4653-8D0D-9F5FCE9CEA3D}"/>
-              </a:ext>
-            </a:extLst>
-          </p:cNvPr>
-          <p:cNvSpPr txBox="1"/>
-          <p:nvPr/>
-        </p:nvSpPr>
-        <p:spPr>
-          <a:xfrm>
-            <a:off x="8601075" y="5172075"/>
-            <a:ext cx="985141" cy="369332"/>
-          </a:xfrm>
-          <a:prstGeom prst="rect">
-            <a:avLst/>
-          </a:prstGeom>
-          <a:noFill/>
-        </p:spPr>
-        <p:txBody>
-          <a:bodyPr wrap="none" rtlCol="0">
-            <a:spAutoFit/>
-          </a:bodyPr>
-          <a:lstStyle/>
-          <a:p>
-            <a:r>
-              <a:rPr lang="en-US" altLang="zh-CN" b="1" dirty="0">
-                <a:solidFill>
-                  <a:srgbClr val="FF0000"/>
-                </a:solidFill>
-              </a:rPr>
-              <a:t>Id Token</a:t>
-            </a:r>
-            <a:endParaRPr lang="en-US" b="1" dirty="0">
-              <a:solidFill>
-                <a:srgbClr val="FF0000"/>
-              </a:solidFill>
-            </a:endParaRPr>
-          </a:p>
-        </p:txBody>
-      </p:sp>
-    </p:spTree>
-    <p:extLst>
-      <p:ext uri="{BB962C8B-B14F-4D97-AF65-F5344CB8AC3E}">
-        <p14:creationId xmlns:p14="http://schemas.microsoft.com/office/powerpoint/2010/main" val="3838801728"/>
       </p:ext>
     </p:extLst>
   </p:cSld>
